--- a/Checkpoint #1.pptx
+++ b/Checkpoint #1.pptx
@@ -319,7 +319,7 @@
           <a:p>
             <a:fld id="{71FB6965-B42B-4745-A851-3D83747CAACB}" type="slidenum">
               <a:rPr lang="pt-PT" smtClean="0"/>
-              <a:t>‹#›</a:t>
+              <a:t>‹nº›</a:t>
             </a:fld>
             <a:endParaRPr lang="pt-PT"/>
           </a:p>
@@ -519,7 +519,7 @@
           <a:p>
             <a:fld id="{71FB6965-B42B-4745-A851-3D83747CAACB}" type="slidenum">
               <a:rPr lang="pt-PT" smtClean="0"/>
-              <a:t>‹#›</a:t>
+              <a:t>‹nº›</a:t>
             </a:fld>
             <a:endParaRPr lang="pt-PT"/>
           </a:p>
@@ -729,7 +729,7 @@
           <a:p>
             <a:fld id="{71FB6965-B42B-4745-A851-3D83747CAACB}" type="slidenum">
               <a:rPr lang="pt-PT" smtClean="0"/>
-              <a:t>‹#›</a:t>
+              <a:t>‹nº›</a:t>
             </a:fld>
             <a:endParaRPr lang="pt-PT"/>
           </a:p>
@@ -929,7 +929,7 @@
           <a:p>
             <a:fld id="{71FB6965-B42B-4745-A851-3D83747CAACB}" type="slidenum">
               <a:rPr lang="pt-PT" smtClean="0"/>
-              <a:t>‹#›</a:t>
+              <a:t>‹nº›</a:t>
             </a:fld>
             <a:endParaRPr lang="pt-PT"/>
           </a:p>
@@ -1205,7 +1205,7 @@
           <a:p>
             <a:fld id="{71FB6965-B42B-4745-A851-3D83747CAACB}" type="slidenum">
               <a:rPr lang="pt-PT" smtClean="0"/>
-              <a:t>‹#›</a:t>
+              <a:t>‹nº›</a:t>
             </a:fld>
             <a:endParaRPr lang="pt-PT"/>
           </a:p>
@@ -1473,7 +1473,7 @@
           <a:p>
             <a:fld id="{71FB6965-B42B-4745-A851-3D83747CAACB}" type="slidenum">
               <a:rPr lang="pt-PT" smtClean="0"/>
-              <a:t>‹#›</a:t>
+              <a:t>‹nº›</a:t>
             </a:fld>
             <a:endParaRPr lang="pt-PT"/>
           </a:p>
@@ -1888,7 +1888,7 @@
           <a:p>
             <a:fld id="{71FB6965-B42B-4745-A851-3D83747CAACB}" type="slidenum">
               <a:rPr lang="pt-PT" smtClean="0"/>
-              <a:t>‹#›</a:t>
+              <a:t>‹nº›</a:t>
             </a:fld>
             <a:endParaRPr lang="pt-PT"/>
           </a:p>
@@ -2030,7 +2030,7 @@
           <a:p>
             <a:fld id="{71FB6965-B42B-4745-A851-3D83747CAACB}" type="slidenum">
               <a:rPr lang="pt-PT" smtClean="0"/>
-              <a:t>‹#›</a:t>
+              <a:t>‹nº›</a:t>
             </a:fld>
             <a:endParaRPr lang="pt-PT"/>
           </a:p>
@@ -2143,7 +2143,7 @@
           <a:p>
             <a:fld id="{71FB6965-B42B-4745-A851-3D83747CAACB}" type="slidenum">
               <a:rPr lang="pt-PT" smtClean="0"/>
-              <a:t>‹#›</a:t>
+              <a:t>‹nº›</a:t>
             </a:fld>
             <a:endParaRPr lang="pt-PT"/>
           </a:p>
@@ -2456,7 +2456,7 @@
           <a:p>
             <a:fld id="{71FB6965-B42B-4745-A851-3D83747CAACB}" type="slidenum">
               <a:rPr lang="pt-PT" smtClean="0"/>
-              <a:t>‹#›</a:t>
+              <a:t>‹nº›</a:t>
             </a:fld>
             <a:endParaRPr lang="pt-PT"/>
           </a:p>
@@ -2745,7 +2745,7 @@
           <a:p>
             <a:fld id="{71FB6965-B42B-4745-A851-3D83747CAACB}" type="slidenum">
               <a:rPr lang="pt-PT" smtClean="0"/>
-              <a:t>‹#›</a:t>
+              <a:t>‹nº›</a:t>
             </a:fld>
             <a:endParaRPr lang="pt-PT"/>
           </a:p>
@@ -3024,7 +3024,7 @@
           <a:p>
             <a:fld id="{71FB6965-B42B-4745-A851-3D83747CAACB}" type="slidenum">
               <a:rPr lang="pt-PT" smtClean="0"/>
-              <a:t>‹#›</a:t>
+              <a:t>‹nº›</a:t>
             </a:fld>
             <a:endParaRPr lang="pt-PT"/>
           </a:p>
@@ -5937,6 +5937,32 @@
             <a:pPr marL="457200" lvl="1" indent="0" algn="just">
               <a:buNone/>
             </a:pPr>
+            <a:r>
+              <a:rPr lang="pt-PT" sz="1400" dirty="0">
+                <a:solidFill>
+                  <a:schemeClr val="bg1"/>
+                </a:solidFill>
+              </a:rPr>
+              <a:t>	Para encontrar a melhor solução vertical, é primeiro identificada a melhor imagem vertical em conjunto com o slide anterior e depois emparelhada a imagem vertical que, combinada com a primeira, permite a maior pontuação quando comparada ao slide anterior. </a:t>
+            </a:r>
+          </a:p>
+          <a:p>
+            <a:pPr marL="457200" lvl="1" indent="0" algn="just">
+              <a:buNone/>
+            </a:pPr>
+            <a:r>
+              <a:rPr lang="pt-PT" sz="1400" dirty="0">
+                <a:solidFill>
+                  <a:schemeClr val="bg1"/>
+                </a:solidFill>
+              </a:rPr>
+              <a:t>	Caso a melhor solução encontrada seja de 0 pontos, ou não haja mais imagens para utilizar, o algoritmo termina. </a:t>
+            </a:r>
+          </a:p>
+          <a:p>
+            <a:pPr marL="457200" lvl="1" indent="0" algn="just">
+              <a:buNone/>
+            </a:pPr>
             <a:endParaRPr lang="pt-PT" sz="800" dirty="0">
               <a:solidFill>
                 <a:schemeClr val="bg1"/>
@@ -5954,32 +5980,6 @@
                 </a:solidFill>
               </a:rPr>
               <a:t>Função de avaliação/heurística</a:t>
-            </a:r>
-          </a:p>
-          <a:p>
-            <a:pPr marL="457200" lvl="1" indent="0" algn="just">
-              <a:buNone/>
-            </a:pPr>
-            <a:r>
-              <a:rPr lang="pt-PT" sz="1400" dirty="0">
-                <a:solidFill>
-                  <a:schemeClr val="bg1"/>
-                </a:solidFill>
-              </a:rPr>
-              <a:t>	Para encontrar a melhor solução vertical, é primeiro identificada a melhor imagem vertical em conjunto com o slide anterior e depois emparelhada a imagem vertical que, combinada com a primeira, permite a maior pontuação quando comparada ao slide anterior. </a:t>
-            </a:r>
-          </a:p>
-          <a:p>
-            <a:pPr marL="457200" lvl="1" indent="0" algn="just">
-              <a:buNone/>
-            </a:pPr>
-            <a:r>
-              <a:rPr lang="pt-PT" sz="1400" dirty="0">
-                <a:solidFill>
-                  <a:schemeClr val="bg1"/>
-                </a:solidFill>
-              </a:rPr>
-              <a:t>	Caso a melhor solução encontrada seja de 0 pontos, ou não haja mais imagens para utilizar, o algoritmo termina. </a:t>
             </a:r>
           </a:p>
           <a:p>

--- a/Checkpoint #1.pptx
+++ b/Checkpoint #1.pptx
@@ -265,7 +265,7 @@
           <a:p>
             <a:fld id="{CF051EA0-154C-43F3-A94C-A14BEF3F2F71}" type="datetimeFigureOut">
               <a:rPr lang="pt-PT" smtClean="0"/>
-              <a:t>16/03/2020</a:t>
+              <a:t>18/03/2020</a:t>
             </a:fld>
             <a:endParaRPr lang="pt-PT"/>
           </a:p>
@@ -319,7 +319,7 @@
           <a:p>
             <a:fld id="{71FB6965-B42B-4745-A851-3D83747CAACB}" type="slidenum">
               <a:rPr lang="pt-PT" smtClean="0"/>
-              <a:t>‹nº›</a:t>
+              <a:t>‹#›</a:t>
             </a:fld>
             <a:endParaRPr lang="pt-PT"/>
           </a:p>
@@ -465,7 +465,7 @@
           <a:p>
             <a:fld id="{CF051EA0-154C-43F3-A94C-A14BEF3F2F71}" type="datetimeFigureOut">
               <a:rPr lang="pt-PT" smtClean="0"/>
-              <a:t>16/03/2020</a:t>
+              <a:t>18/03/2020</a:t>
             </a:fld>
             <a:endParaRPr lang="pt-PT"/>
           </a:p>
@@ -519,7 +519,7 @@
           <a:p>
             <a:fld id="{71FB6965-B42B-4745-A851-3D83747CAACB}" type="slidenum">
               <a:rPr lang="pt-PT" smtClean="0"/>
-              <a:t>‹nº›</a:t>
+              <a:t>‹#›</a:t>
             </a:fld>
             <a:endParaRPr lang="pt-PT"/>
           </a:p>
@@ -675,7 +675,7 @@
           <a:p>
             <a:fld id="{CF051EA0-154C-43F3-A94C-A14BEF3F2F71}" type="datetimeFigureOut">
               <a:rPr lang="pt-PT" smtClean="0"/>
-              <a:t>16/03/2020</a:t>
+              <a:t>18/03/2020</a:t>
             </a:fld>
             <a:endParaRPr lang="pt-PT"/>
           </a:p>
@@ -729,7 +729,7 @@
           <a:p>
             <a:fld id="{71FB6965-B42B-4745-A851-3D83747CAACB}" type="slidenum">
               <a:rPr lang="pt-PT" smtClean="0"/>
-              <a:t>‹nº›</a:t>
+              <a:t>‹#›</a:t>
             </a:fld>
             <a:endParaRPr lang="pt-PT"/>
           </a:p>
@@ -875,7 +875,7 @@
           <a:p>
             <a:fld id="{CF051EA0-154C-43F3-A94C-A14BEF3F2F71}" type="datetimeFigureOut">
               <a:rPr lang="pt-PT" smtClean="0"/>
-              <a:t>16/03/2020</a:t>
+              <a:t>18/03/2020</a:t>
             </a:fld>
             <a:endParaRPr lang="pt-PT"/>
           </a:p>
@@ -929,7 +929,7 @@
           <a:p>
             <a:fld id="{71FB6965-B42B-4745-A851-3D83747CAACB}" type="slidenum">
               <a:rPr lang="pt-PT" smtClean="0"/>
-              <a:t>‹nº›</a:t>
+              <a:t>‹#›</a:t>
             </a:fld>
             <a:endParaRPr lang="pt-PT"/>
           </a:p>
@@ -1151,7 +1151,7 @@
           <a:p>
             <a:fld id="{CF051EA0-154C-43F3-A94C-A14BEF3F2F71}" type="datetimeFigureOut">
               <a:rPr lang="pt-PT" smtClean="0"/>
-              <a:t>16/03/2020</a:t>
+              <a:t>18/03/2020</a:t>
             </a:fld>
             <a:endParaRPr lang="pt-PT"/>
           </a:p>
@@ -1205,7 +1205,7 @@
           <a:p>
             <a:fld id="{71FB6965-B42B-4745-A851-3D83747CAACB}" type="slidenum">
               <a:rPr lang="pt-PT" smtClean="0"/>
-              <a:t>‹nº›</a:t>
+              <a:t>‹#›</a:t>
             </a:fld>
             <a:endParaRPr lang="pt-PT"/>
           </a:p>
@@ -1419,7 +1419,7 @@
           <a:p>
             <a:fld id="{CF051EA0-154C-43F3-A94C-A14BEF3F2F71}" type="datetimeFigureOut">
               <a:rPr lang="pt-PT" smtClean="0"/>
-              <a:t>16/03/2020</a:t>
+              <a:t>18/03/2020</a:t>
             </a:fld>
             <a:endParaRPr lang="pt-PT"/>
           </a:p>
@@ -1473,7 +1473,7 @@
           <a:p>
             <a:fld id="{71FB6965-B42B-4745-A851-3D83747CAACB}" type="slidenum">
               <a:rPr lang="pt-PT" smtClean="0"/>
-              <a:t>‹nº›</a:t>
+              <a:t>‹#›</a:t>
             </a:fld>
             <a:endParaRPr lang="pt-PT"/>
           </a:p>
@@ -1834,7 +1834,7 @@
           <a:p>
             <a:fld id="{CF051EA0-154C-43F3-A94C-A14BEF3F2F71}" type="datetimeFigureOut">
               <a:rPr lang="pt-PT" smtClean="0"/>
-              <a:t>16/03/2020</a:t>
+              <a:t>18/03/2020</a:t>
             </a:fld>
             <a:endParaRPr lang="pt-PT"/>
           </a:p>
@@ -1888,7 +1888,7 @@
           <a:p>
             <a:fld id="{71FB6965-B42B-4745-A851-3D83747CAACB}" type="slidenum">
               <a:rPr lang="pt-PT" smtClean="0"/>
-              <a:t>‹nº›</a:t>
+              <a:t>‹#›</a:t>
             </a:fld>
             <a:endParaRPr lang="pt-PT"/>
           </a:p>
@@ -1976,7 +1976,7 @@
           <a:p>
             <a:fld id="{CF051EA0-154C-43F3-A94C-A14BEF3F2F71}" type="datetimeFigureOut">
               <a:rPr lang="pt-PT" smtClean="0"/>
-              <a:t>16/03/2020</a:t>
+              <a:t>18/03/2020</a:t>
             </a:fld>
             <a:endParaRPr lang="pt-PT"/>
           </a:p>
@@ -2030,7 +2030,7 @@
           <a:p>
             <a:fld id="{71FB6965-B42B-4745-A851-3D83747CAACB}" type="slidenum">
               <a:rPr lang="pt-PT" smtClean="0"/>
-              <a:t>‹nº›</a:t>
+              <a:t>‹#›</a:t>
             </a:fld>
             <a:endParaRPr lang="pt-PT"/>
           </a:p>
@@ -2089,7 +2089,7 @@
           <a:p>
             <a:fld id="{CF051EA0-154C-43F3-A94C-A14BEF3F2F71}" type="datetimeFigureOut">
               <a:rPr lang="pt-PT" smtClean="0"/>
-              <a:t>16/03/2020</a:t>
+              <a:t>18/03/2020</a:t>
             </a:fld>
             <a:endParaRPr lang="pt-PT"/>
           </a:p>
@@ -2143,7 +2143,7 @@
           <a:p>
             <a:fld id="{71FB6965-B42B-4745-A851-3D83747CAACB}" type="slidenum">
               <a:rPr lang="pt-PT" smtClean="0"/>
-              <a:t>‹nº›</a:t>
+              <a:t>‹#›</a:t>
             </a:fld>
             <a:endParaRPr lang="pt-PT"/>
           </a:p>
@@ -2402,7 +2402,7 @@
           <a:p>
             <a:fld id="{CF051EA0-154C-43F3-A94C-A14BEF3F2F71}" type="datetimeFigureOut">
               <a:rPr lang="pt-PT" smtClean="0"/>
-              <a:t>16/03/2020</a:t>
+              <a:t>18/03/2020</a:t>
             </a:fld>
             <a:endParaRPr lang="pt-PT"/>
           </a:p>
@@ -2456,7 +2456,7 @@
           <a:p>
             <a:fld id="{71FB6965-B42B-4745-A851-3D83747CAACB}" type="slidenum">
               <a:rPr lang="pt-PT" smtClean="0"/>
-              <a:t>‹nº›</a:t>
+              <a:t>‹#›</a:t>
             </a:fld>
             <a:endParaRPr lang="pt-PT"/>
           </a:p>
@@ -2691,7 +2691,7 @@
           <a:p>
             <a:fld id="{CF051EA0-154C-43F3-A94C-A14BEF3F2F71}" type="datetimeFigureOut">
               <a:rPr lang="pt-PT" smtClean="0"/>
-              <a:t>16/03/2020</a:t>
+              <a:t>18/03/2020</a:t>
             </a:fld>
             <a:endParaRPr lang="pt-PT"/>
           </a:p>
@@ -2745,7 +2745,7 @@
           <a:p>
             <a:fld id="{71FB6965-B42B-4745-A851-3D83747CAACB}" type="slidenum">
               <a:rPr lang="pt-PT" smtClean="0"/>
-              <a:t>‹nº›</a:t>
+              <a:t>‹#›</a:t>
             </a:fld>
             <a:endParaRPr lang="pt-PT"/>
           </a:p>
@@ -2934,7 +2934,7 @@
           <a:p>
             <a:fld id="{CF051EA0-154C-43F3-A94C-A14BEF3F2F71}" type="datetimeFigureOut">
               <a:rPr lang="pt-PT" smtClean="0"/>
-              <a:t>16/03/2020</a:t>
+              <a:t>18/03/2020</a:t>
             </a:fld>
             <a:endParaRPr lang="pt-PT"/>
           </a:p>
@@ -3024,7 +3024,7 @@
           <a:p>
             <a:fld id="{71FB6965-B42B-4745-A851-3D83747CAACB}" type="slidenum">
               <a:rPr lang="pt-PT" smtClean="0"/>
-              <a:t>‹nº›</a:t>
+              <a:t>‹#›</a:t>
             </a:fld>
             <a:endParaRPr lang="pt-PT"/>
           </a:p>
@@ -4281,7 +4281,7 @@
           </a:bodyPr>
           <a:lstStyle/>
           <a:p>
-            <a:pPr marL="0" indent="0" algn="just">
+            <a:pPr marL="0" indent="0" algn="just" defTabSz="447675">
               <a:buNone/>
             </a:pPr>
             <a:r>
@@ -4290,7 +4290,7 @@
                   <a:schemeClr val="bg1"/>
                 </a:solidFill>
               </a:rPr>
-              <a:t>Neste </a:t>
+              <a:t>	Neste </a:t>
             </a:r>
             <a:r>
               <a:rPr lang="en-US" sz="1400" dirty="0" err="1">
@@ -4386,7 +4386,23 @@
                   <a:schemeClr val="bg1"/>
                 </a:solidFill>
               </a:rPr>
-              <a:t> e das tags </a:t>
+              <a:t> e das </a:t>
+            </a:r>
+            <a:r>
+              <a:rPr lang="en-US" sz="1400" i="1" dirty="0">
+                <a:solidFill>
+                  <a:schemeClr val="bg1"/>
+                </a:solidFill>
+              </a:rPr>
+              <a:t>tags</a:t>
+            </a:r>
+            <a:r>
+              <a:rPr lang="en-US" sz="1400" dirty="0">
+                <a:solidFill>
+                  <a:schemeClr val="bg1"/>
+                </a:solidFill>
+              </a:rPr>
+              <a:t> </a:t>
             </a:r>
             <a:r>
               <a:rPr lang="en-US" sz="1400" dirty="0" err="1">
@@ -4482,7 +4498,23 @@
                   <a:schemeClr val="bg1"/>
                 </a:solidFill>
               </a:rPr>
-              <a:t> num slideshow que </a:t>
+              <a:t> num </a:t>
+            </a:r>
+            <a:r>
+              <a:rPr lang="en-US" sz="1400" i="1" dirty="0">
+                <a:solidFill>
+                  <a:schemeClr val="bg1"/>
+                </a:solidFill>
+              </a:rPr>
+              <a:t>slideshow</a:t>
+            </a:r>
+            <a:r>
+              <a:rPr lang="en-US" sz="1400" dirty="0">
+                <a:solidFill>
+                  <a:schemeClr val="bg1"/>
+                </a:solidFill>
+              </a:rPr>
+              <a:t> que </a:t>
             </a:r>
             <a:r>
               <a:rPr lang="en-US" sz="1400" dirty="0" err="1">
@@ -4562,7 +4594,23 @@
                   <a:schemeClr val="bg1"/>
                 </a:solidFill>
               </a:rPr>
-              <a:t> de um slideshow é dada </a:t>
+              <a:t> de um </a:t>
+            </a:r>
+            <a:r>
+              <a:rPr lang="en-US" sz="1400" i="1" dirty="0">
+                <a:solidFill>
+                  <a:schemeClr val="bg1"/>
+                </a:solidFill>
+              </a:rPr>
+              <a:t>slideshow</a:t>
+            </a:r>
+            <a:r>
+              <a:rPr lang="en-US" sz="1400" dirty="0">
+                <a:solidFill>
+                  <a:schemeClr val="bg1"/>
+                </a:solidFill>
+              </a:rPr>
+              <a:t> é dada </a:t>
             </a:r>
             <a:r>
               <a:rPr lang="en-US" sz="1400" dirty="0" err="1">
@@ -4630,7 +4678,7 @@
             </a:r>
           </a:p>
           <a:p>
-            <a:pPr marL="0" indent="0" algn="just">
+            <a:pPr marL="0" indent="0" algn="just" defTabSz="447675">
               <a:buNone/>
             </a:pPr>
             <a:endParaRPr lang="en-US" sz="1400" dirty="0">
@@ -4640,7 +4688,7 @@
             </a:endParaRPr>
           </a:p>
           <a:p>
-            <a:pPr marL="0" indent="0" algn="just">
+            <a:pPr marL="0" indent="0" algn="just" defTabSz="447675">
               <a:buNone/>
             </a:pPr>
             <a:r>
@@ -4649,7 +4697,7 @@
                   <a:schemeClr val="bg1"/>
                 </a:solidFill>
               </a:rPr>
-              <a:t>O </a:t>
+              <a:t>	O </a:t>
             </a:r>
             <a:r>
               <a:rPr lang="en-US" sz="1400" dirty="0" err="1">
@@ -4729,7 +4777,23 @@
                   <a:schemeClr val="bg1"/>
                 </a:solidFill>
               </a:rPr>
-              <a:t> de tags </a:t>
+              <a:t> de </a:t>
+            </a:r>
+            <a:r>
+              <a:rPr lang="en-US" sz="1400" i="1" dirty="0">
+                <a:solidFill>
+                  <a:schemeClr val="bg1"/>
+                </a:solidFill>
+              </a:rPr>
+              <a:t>tags</a:t>
+            </a:r>
+            <a:r>
+              <a:rPr lang="en-US" sz="1400" dirty="0">
+                <a:solidFill>
+                  <a:schemeClr val="bg1"/>
+                </a:solidFill>
+              </a:rPr>
+              <a:t> </a:t>
             </a:r>
             <a:r>
               <a:rPr lang="en-US" sz="1400" dirty="0" err="1">
@@ -4809,7 +4873,23 @@
                   <a:schemeClr val="bg1"/>
                 </a:solidFill>
               </a:rPr>
-              <a:t> de tags </a:t>
+              <a:t> de </a:t>
+            </a:r>
+            <a:r>
+              <a:rPr lang="en-US" sz="1400" i="1" dirty="0">
+                <a:solidFill>
+                  <a:schemeClr val="bg1"/>
+                </a:solidFill>
+              </a:rPr>
+              <a:t>tags</a:t>
+            </a:r>
+            <a:r>
+              <a:rPr lang="en-US" sz="1400" dirty="0">
+                <a:solidFill>
+                  <a:schemeClr val="bg1"/>
+                </a:solidFill>
+              </a:rPr>
+              <a:t> </a:t>
             </a:r>
             <a:r>
               <a:rPr lang="en-US" sz="1400" dirty="0" err="1">
@@ -4889,7 +4969,23 @@
                   <a:schemeClr val="bg1"/>
                 </a:solidFill>
               </a:rPr>
-              <a:t> de tags </a:t>
+              <a:t> de </a:t>
+            </a:r>
+            <a:r>
+              <a:rPr lang="en-US" sz="1400" i="1" dirty="0">
+                <a:solidFill>
+                  <a:schemeClr val="bg1"/>
+                </a:solidFill>
+              </a:rPr>
+              <a:t>tags</a:t>
+            </a:r>
+            <a:r>
+              <a:rPr lang="en-US" sz="1400" dirty="0">
+                <a:solidFill>
+                  <a:schemeClr val="bg1"/>
+                </a:solidFill>
+              </a:rPr>
+              <a:t> </a:t>
             </a:r>
             <a:r>
               <a:rPr lang="en-US" sz="1400" dirty="0" err="1">
@@ -5765,7 +5861,7 @@
           </a:bodyPr>
           <a:lstStyle/>
           <a:p>
-            <a:pPr marL="457200" lvl="1" indent="0" algn="just">
+            <a:pPr marL="0" lvl="1" indent="0" algn="just" defTabSz="447675">
               <a:buNone/>
             </a:pPr>
             <a:r>
@@ -5778,7 +5874,7 @@
             </a:r>
           </a:p>
           <a:p>
-            <a:pPr marL="457200" lvl="1" indent="0" algn="just">
+            <a:pPr marL="0" lvl="1" indent="0" algn="just" defTabSz="447675">
               <a:buNone/>
             </a:pPr>
             <a:r>
@@ -5791,7 +5887,7 @@
             </a:r>
           </a:p>
           <a:p>
-            <a:pPr marL="457200" lvl="1" indent="0" algn="just">
+            <a:pPr marL="0" lvl="1" indent="0" algn="just" defTabSz="447675">
               <a:buNone/>
             </a:pPr>
             <a:endParaRPr lang="pt-PT" sz="800" dirty="0">
@@ -5801,7 +5897,7 @@
             </a:endParaRPr>
           </a:p>
           <a:p>
-            <a:pPr marL="457200" lvl="1" indent="0" algn="just">
+            <a:pPr marL="0" lvl="1" indent="0" algn="just" defTabSz="447675">
               <a:buNone/>
             </a:pPr>
             <a:r>
@@ -5814,18 +5910,18 @@
             </a:r>
           </a:p>
           <a:p>
-            <a:pPr lvl="1" algn="just"/>
+            <a:pPr marL="285750" lvl="1" indent="-285750" algn="just" defTabSz="447675"/>
             <a:r>
               <a:rPr lang="pt-PT" sz="1400" dirty="0">
                 <a:solidFill>
                   <a:schemeClr val="bg1"/>
                 </a:solidFill>
               </a:rPr>
-              <a:t>Cada imagem pode ser usada 0 ou 1 vezes;</a:t>
-            </a:r>
-          </a:p>
-          <a:p>
-            <a:pPr lvl="1" algn="just"/>
+              <a:t>Cada imagem poder ser usada 0 ou 1 vezes;</a:t>
+            </a:r>
+          </a:p>
+          <a:p>
+            <a:pPr marL="285750" lvl="1" indent="-285750" algn="just" defTabSz="447675"/>
             <a:r>
               <a:rPr lang="pt-PT" sz="1400" dirty="0">
                 <a:solidFill>
@@ -5836,7 +5932,7 @@
             </a:r>
           </a:p>
           <a:p>
-            <a:pPr lvl="1" algn="just"/>
+            <a:pPr marL="285750" lvl="1" indent="-285750" algn="just" defTabSz="447675"/>
             <a:r>
               <a:rPr lang="pt-PT" sz="1400" dirty="0">
                 <a:solidFill>
@@ -5847,7 +5943,7 @@
             </a:r>
           </a:p>
           <a:p>
-            <a:pPr lvl="1" algn="just"/>
+            <a:pPr marL="285750" lvl="1" indent="-285750" algn="just" defTabSz="447675"/>
             <a:r>
               <a:rPr lang="pt-PT" sz="1400" dirty="0">
                 <a:solidFill>
@@ -5858,7 +5954,7 @@
             </a:r>
           </a:p>
           <a:p>
-            <a:pPr marL="457200" lvl="1" indent="0" algn="just">
+            <a:pPr marL="0" lvl="1" indent="0" algn="just" defTabSz="447675">
               <a:buNone/>
             </a:pPr>
             <a:endParaRPr lang="pt-PT" sz="800" dirty="0">
@@ -5868,7 +5964,7 @@
             </a:endParaRPr>
           </a:p>
           <a:p>
-            <a:pPr marL="457200" lvl="1" indent="0" algn="just">
+            <a:pPr marL="0" lvl="1" indent="0" algn="just" defTabSz="447675">
               <a:buNone/>
             </a:pPr>
             <a:r>
@@ -5881,7 +5977,7 @@
             </a:r>
           </a:p>
           <a:p>
-            <a:pPr marL="457200" lvl="1" indent="0" algn="just">
+            <a:pPr marL="0" lvl="1" indent="0" algn="just" defTabSz="447675">
               <a:buNone/>
             </a:pPr>
             <a:r>
@@ -5934,7 +6030,7 @@
             </a:r>
           </a:p>
           <a:p>
-            <a:pPr marL="457200" lvl="1" indent="0" algn="just">
+            <a:pPr marL="0" lvl="1" indent="0" algn="just" defTabSz="447675">
               <a:buNone/>
             </a:pPr>
             <a:r>
@@ -5947,7 +6043,7 @@
             </a:r>
           </a:p>
           <a:p>
-            <a:pPr marL="457200" lvl="1" indent="0" algn="just">
+            <a:pPr marL="0" lvl="1" indent="0" algn="just" defTabSz="447675">
               <a:buNone/>
             </a:pPr>
             <a:r>
@@ -5960,7 +6056,7 @@
             </a:r>
           </a:p>
           <a:p>
-            <a:pPr marL="457200" lvl="1" indent="0" algn="just">
+            <a:pPr marL="0" lvl="1" indent="0" algn="just" defTabSz="447675">
               <a:buNone/>
             </a:pPr>
             <a:endParaRPr lang="pt-PT" sz="800" dirty="0">
@@ -5970,7 +6066,7 @@
             </a:endParaRPr>
           </a:p>
           <a:p>
-            <a:pPr marL="457200" lvl="1" indent="0" algn="just">
+            <a:pPr marL="0" lvl="1" indent="0" algn="just" defTabSz="447675">
               <a:buNone/>
             </a:pPr>
             <a:r>
@@ -5983,7 +6079,7 @@
             </a:r>
           </a:p>
           <a:p>
-            <a:pPr marL="457200" lvl="1" indent="0" algn="just">
+            <a:pPr marL="0" lvl="1" indent="0" algn="just" defTabSz="447675">
               <a:buNone/>
             </a:pPr>
             <a:r>
@@ -5992,7 +6088,55 @@
                   <a:schemeClr val="bg1"/>
                 </a:solidFill>
               </a:rPr>
-              <a:t>	A pontuação de dois slides adjacentes é calculada como o mínimo entre número de tags em comum, número de tags presente no primeiro mas não no segundo e o número de tags presente no segundo mas não no primeiro.</a:t>
+              <a:t>	A pontuação de dois slides adjacentes é calculada como o mínimo entre número de </a:t>
+            </a:r>
+            <a:r>
+              <a:rPr lang="pt-PT" sz="1400" i="1" dirty="0">
+                <a:solidFill>
+                  <a:schemeClr val="bg1"/>
+                </a:solidFill>
+              </a:rPr>
+              <a:t>tags</a:t>
+            </a:r>
+            <a:r>
+              <a:rPr lang="pt-PT" sz="1400" dirty="0">
+                <a:solidFill>
+                  <a:schemeClr val="bg1"/>
+                </a:solidFill>
+              </a:rPr>
+              <a:t> em comum, número de </a:t>
+            </a:r>
+            <a:r>
+              <a:rPr lang="pt-PT" sz="1400" i="1" dirty="0">
+                <a:solidFill>
+                  <a:schemeClr val="bg1"/>
+                </a:solidFill>
+              </a:rPr>
+              <a:t>tags</a:t>
+            </a:r>
+            <a:r>
+              <a:rPr lang="pt-PT" sz="1400" dirty="0">
+                <a:solidFill>
+                  <a:schemeClr val="bg1"/>
+                </a:solidFill>
+              </a:rPr>
+              <a:t> presente no primeiro mas não no segundo e o número de </a:t>
+            </a:r>
+            <a:r>
+              <a:rPr lang="pt-PT" sz="1400" i="1" dirty="0">
+                <a:solidFill>
+                  <a:schemeClr val="bg1"/>
+                </a:solidFill>
+              </a:rPr>
+              <a:t>tags</a:t>
+            </a:r>
+            <a:r>
+              <a:rPr lang="pt-PT" sz="1400" dirty="0">
+                <a:solidFill>
+                  <a:schemeClr val="bg1"/>
+                </a:solidFill>
+              </a:rPr>
+              <a:t> presente no segundo mas não no primeiro.</a:t>
             </a:r>
           </a:p>
         </p:txBody>
@@ -6354,7 +6498,7 @@
           </a:bodyPr>
           <a:lstStyle/>
           <a:p>
-            <a:pPr marL="0" indent="0">
+            <a:pPr marL="0" indent="0" algn="just" defTabSz="447675">
               <a:buNone/>
             </a:pPr>
             <a:r>
@@ -6367,7 +6511,7 @@
             </a:r>
           </a:p>
           <a:p>
-            <a:pPr marL="0" indent="0">
+            <a:pPr marL="0" indent="0" algn="just" defTabSz="447675">
               <a:buNone/>
             </a:pPr>
             <a:r>
@@ -6376,21 +6520,21 @@
                   <a:schemeClr val="bg1"/>
                 </a:solidFill>
               </a:rPr>
-              <a:t>Para o desenvolvimento do problema de otimização descrito, a linguagem de programação a utilizar será C++.</a:t>
-            </a:r>
-          </a:p>
-          <a:p>
-            <a:pPr marL="0" indent="0">
+              <a:t>	Para o desenvolvimento do problema de otimização descrito, a linguagem de programação a utilizar será C++.</a:t>
+            </a:r>
+          </a:p>
+          <a:p>
+            <a:pPr marL="0" indent="0" algn="just" defTabSz="447675">
               <a:buNone/>
             </a:pPr>
-            <a:endParaRPr lang="pt-PT" sz="1400" b="1" dirty="0">
+            <a:endParaRPr lang="pt-PT" sz="800" b="1" dirty="0">
               <a:solidFill>
                 <a:srgbClr val="C00000"/>
               </a:solidFill>
             </a:endParaRPr>
           </a:p>
           <a:p>
-            <a:pPr marL="0" indent="0">
+            <a:pPr marL="0" indent="0" algn="just" defTabSz="447675">
               <a:buNone/>
             </a:pPr>
             <a:r>
@@ -6403,7 +6547,7 @@
             </a:r>
           </a:p>
           <a:p>
-            <a:pPr marL="0" indent="0">
+            <a:pPr marL="0" indent="0" algn="just" defTabSz="447675">
               <a:buNone/>
             </a:pPr>
             <a:r>
@@ -6412,13 +6556,151 @@
                   <a:schemeClr val="bg1"/>
                 </a:solidFill>
               </a:rPr>
-              <a:t>O ambiente escolhido para desenvolvimento deste projeto foi o Visual Studio Code em Windows 10.</a:t>
-            </a:r>
-          </a:p>
-          <a:p>
-            <a:pPr marL="0" indent="0">
+              <a:t>	O ambiente escolhido para desenvolvimento deste projeto foi o Visual Studio Code em Windows 10.</a:t>
+            </a:r>
+          </a:p>
+          <a:p>
+            <a:pPr marL="0" indent="0" algn="just" defTabSz="447675">
               <a:buNone/>
             </a:pPr>
+            <a:endParaRPr lang="pt-PT" sz="800" dirty="0">
+              <a:solidFill>
+                <a:schemeClr val="bg1"/>
+              </a:solidFill>
+            </a:endParaRPr>
+          </a:p>
+          <a:p>
+            <a:pPr marL="0" indent="0" algn="just" defTabSz="447675">
+              <a:buNone/>
+            </a:pPr>
+            <a:r>
+              <a:rPr lang="pt-PT" sz="1400" b="1" dirty="0">
+                <a:solidFill>
+                  <a:srgbClr val="C00000"/>
+                </a:solidFill>
+              </a:rPr>
+              <a:t>Estruturas de dados</a:t>
+            </a:r>
+          </a:p>
+          <a:p>
+            <a:pPr algn="just" defTabSz="447675"/>
+            <a:r>
+              <a:rPr lang="pt-PT" sz="1400" dirty="0">
+                <a:solidFill>
+                  <a:schemeClr val="bg1"/>
+                </a:solidFill>
+              </a:rPr>
+              <a:t>A informação de cada imagem será guardada em </a:t>
+            </a:r>
+            <a:r>
+              <a:rPr lang="pt-PT" sz="1400" i="1" dirty="0">
+                <a:solidFill>
+                  <a:schemeClr val="bg1"/>
+                </a:solidFill>
+              </a:rPr>
+              <a:t>structs</a:t>
+            </a:r>
+            <a:r>
+              <a:rPr lang="pt-PT" sz="1400" dirty="0">
+                <a:solidFill>
+                  <a:schemeClr val="bg1"/>
+                </a:solidFill>
+              </a:rPr>
+              <a:t> (com o ID, a orientação, o número de </a:t>
+            </a:r>
+            <a:r>
+              <a:rPr lang="pt-PT" sz="1400" i="1" dirty="0" err="1">
+                <a:solidFill>
+                  <a:schemeClr val="bg1"/>
+                </a:solidFill>
+              </a:rPr>
+              <a:t>tags</a:t>
+            </a:r>
+            <a:r>
+              <a:rPr lang="pt-PT" sz="1400" dirty="0">
+                <a:solidFill>
+                  <a:schemeClr val="bg1"/>
+                </a:solidFill>
+              </a:rPr>
+              <a:t> e o vetor de </a:t>
+            </a:r>
+            <a:r>
+              <a:rPr lang="pt-PT" sz="1400" i="1" dirty="0" err="1">
+                <a:solidFill>
+                  <a:schemeClr val="bg1"/>
+                </a:solidFill>
+              </a:rPr>
+              <a:t>tags</a:t>
+            </a:r>
+            <a:r>
+              <a:rPr lang="pt-PT" sz="1400" dirty="0">
+                <a:solidFill>
+                  <a:schemeClr val="bg1"/>
+                </a:solidFill>
+              </a:rPr>
+              <a:t>);</a:t>
+            </a:r>
+          </a:p>
+          <a:p>
+            <a:pPr algn="just" defTabSz="447675"/>
+            <a:r>
+              <a:rPr lang="pt-PT" sz="1400" dirty="0">
+                <a:solidFill>
+                  <a:schemeClr val="bg1"/>
+                </a:solidFill>
+              </a:rPr>
+              <a:t>Um slide corresponde a um vetor de imagens (de tamanho 1 ou 2); </a:t>
+            </a:r>
+          </a:p>
+          <a:p>
+            <a:pPr algn="just" defTabSz="447675"/>
+            <a:r>
+              <a:rPr lang="pt-PT" sz="1400" dirty="0">
+                <a:solidFill>
+                  <a:schemeClr val="bg1"/>
+                </a:solidFill>
+              </a:rPr>
+              <a:t>Um </a:t>
+            </a:r>
+            <a:r>
+              <a:rPr lang="pt-PT" sz="1400" i="1" dirty="0">
+                <a:solidFill>
+                  <a:schemeClr val="bg1"/>
+                </a:solidFill>
+              </a:rPr>
+              <a:t>slideshow</a:t>
+            </a:r>
+            <a:r>
+              <a:rPr lang="pt-PT" sz="1400" dirty="0">
+                <a:solidFill>
+                  <a:schemeClr val="bg1"/>
+                </a:solidFill>
+              </a:rPr>
+              <a:t> corresponde a um vetor de slides.</a:t>
+            </a:r>
+          </a:p>
+          <a:p>
+            <a:pPr marL="0" indent="0" algn="just" defTabSz="447675">
+              <a:buNone/>
+            </a:pPr>
+            <a:endParaRPr lang="pt-PT" sz="800" dirty="0">
+              <a:solidFill>
+                <a:schemeClr val="bg1"/>
+              </a:solidFill>
+            </a:endParaRPr>
+          </a:p>
+          <a:p>
+            <a:pPr marL="0" indent="0" algn="just" defTabSz="447675">
+              <a:buNone/>
+            </a:pPr>
+            <a:r>
+              <a:rPr lang="pt-PT" sz="1400" b="1" dirty="0">
+                <a:solidFill>
+                  <a:srgbClr val="C00000"/>
+                </a:solidFill>
+              </a:rPr>
+              <a:t>Estruturas dos ficheiros de texto</a:t>
+            </a:r>
             <a:endParaRPr lang="pt-PT" sz="1400" dirty="0">
               <a:solidFill>
                 <a:schemeClr val="bg1"/>
@@ -6426,29 +6708,19 @@
             </a:endParaRPr>
           </a:p>
           <a:p>
-            <a:pPr marL="0" indent="0">
+            <a:pPr marL="0" indent="0" algn="just" defTabSz="447675">
               <a:buNone/>
             </a:pPr>
             <a:r>
-              <a:rPr lang="pt-PT" sz="1400" b="1" dirty="0">
-                <a:solidFill>
-                  <a:srgbClr val="C00000"/>
-                </a:solidFill>
-              </a:rPr>
-              <a:t>Estruturas de dados</a:t>
-            </a:r>
-          </a:p>
-          <a:p>
-            <a:r>
               <a:rPr lang="pt-PT" sz="1400" dirty="0">
                 <a:solidFill>
                   <a:schemeClr val="bg1"/>
                 </a:solidFill>
               </a:rPr>
-              <a:t>A informação de cada imagem será guardada em structs (com o ID, a orientação, o número de </a:t>
-            </a:r>
-            <a:r>
-              <a:rPr lang="pt-PT" sz="1400" dirty="0" err="1">
+              <a:t>	Cada conjunto de imagens encontra-se num ficheiro de texto que contém exclusivamente caracteres ASCII. Na primeira linha do ficheiro é dada a indicação do número de imagens desse conjunto. Cada linha contém a  descrição da foto correspondente. Essa descrição contém: um ‘V’ ou ‘H’ que indica se a imagem é vertical ou horizontal, o número de </a:t>
+            </a:r>
+            <a:r>
+              <a:rPr lang="pt-PT" sz="1400" i="1" dirty="0">
                 <a:solidFill>
                   <a:schemeClr val="bg1"/>
                 </a:solidFill>
@@ -6461,10 +6733,10 @@
                   <a:schemeClr val="bg1"/>
                 </a:solidFill>
               </a:rPr>
-              <a:t> e o vetor de </a:t>
-            </a:r>
-            <a:r>
-              <a:rPr lang="pt-PT" sz="1400" dirty="0" err="1">
+              <a:t> associadas à imagem seguido dessas mesmas </a:t>
+            </a:r>
+            <a:r>
+              <a:rPr lang="pt-PT" sz="1400" i="1" dirty="0">
                 <a:solidFill>
                   <a:schemeClr val="bg1"/>
                 </a:solidFill>
@@ -6477,38 +6749,21 @@
                   <a:schemeClr val="bg1"/>
                 </a:solidFill>
               </a:rPr>
-              <a:t>);</a:t>
-            </a:r>
-          </a:p>
-          <a:p>
-            <a:r>
-              <a:rPr lang="pt-PT" sz="1400" dirty="0">
-                <a:solidFill>
-                  <a:schemeClr val="bg1"/>
-                </a:solidFill>
-              </a:rPr>
-              <a:t>Um slide corresponde a um vetor de imagens (de tamanho 1 ou 2); </a:t>
-            </a:r>
-          </a:p>
-          <a:p>
-            <a:r>
-              <a:rPr lang="pt-PT" sz="1400" dirty="0">
-                <a:solidFill>
-                  <a:schemeClr val="bg1"/>
-                </a:solidFill>
-              </a:rPr>
-              <a:t>Um slideshow corresponde a um vetor de slides.</a:t>
-            </a:r>
-          </a:p>
-          <a:p>
-            <a:endParaRPr lang="pt-PT" sz="1400" dirty="0">
+              <a:t>.</a:t>
+            </a:r>
+          </a:p>
+          <a:p>
+            <a:pPr marL="0" indent="0" algn="just" defTabSz="447675">
+              <a:buNone/>
+            </a:pPr>
+            <a:endParaRPr lang="pt-PT" sz="800" dirty="0">
               <a:solidFill>
                 <a:schemeClr val="bg1"/>
               </a:solidFill>
             </a:endParaRPr>
           </a:p>
           <a:p>
-            <a:pPr marL="0" indent="0">
+            <a:pPr marL="0" indent="0" algn="just" defTabSz="447675">
               <a:buNone/>
             </a:pPr>
             <a:r>
@@ -6517,16 +6772,11 @@
                   <a:srgbClr val="C00000"/>
                 </a:solidFill>
               </a:rPr>
-              <a:t>Estruturas dos ficheiros de texto</a:t>
-            </a:r>
-            <a:endParaRPr lang="pt-PT" sz="1400" dirty="0">
-              <a:solidFill>
-                <a:schemeClr val="bg1"/>
-              </a:solidFill>
-            </a:endParaRPr>
-          </a:p>
-          <a:p>
-            <a:pPr marL="0" indent="0">
+              <a:t>Trabalho desenvolvido</a:t>
+            </a:r>
+          </a:p>
+          <a:p>
+            <a:pPr marL="0" indent="0" algn="just" defTabSz="447675">
               <a:buNone/>
             </a:pPr>
             <a:r>
@@ -6535,7 +6785,23 @@
                   <a:schemeClr val="bg1"/>
                 </a:solidFill>
               </a:rPr>
-              <a:t>Cada conjunto de imagens encontra-se num ficheiro de texto que contém exclusivamente caracteres ASCII. Na primeira linha do ficheiro é dada a indicação do número de imagens desse conjunto. Cada linha contém a  descrição da foto correspondente. Essa descrição contém: um ‘V’ ou ‘H’ que indica se a imagem é vertical ou horizontal, o número de tags associadas à imagem seguido dessas mesmas tags.</a:t>
+              <a:t>	Até à data, foi já desenvolvida uma primeira versão do projeto em que resolve o problema apresentado através do uso de </a:t>
+            </a:r>
+            <a:r>
+              <a:rPr lang="pt-PT" sz="1400" i="1" dirty="0">
+                <a:solidFill>
+                  <a:schemeClr val="bg1"/>
+                </a:solidFill>
+              </a:rPr>
+              <a:t>Hill Climbing</a:t>
+            </a:r>
+            <a:r>
+              <a:rPr lang="pt-PT" sz="1400" dirty="0">
+                <a:solidFill>
+                  <a:schemeClr val="bg1"/>
+                </a:solidFill>
+              </a:rPr>
+              <a:t>. No entanto, é de notar que nesta primeira versão, as imagens verticais ainda não estão a ser agrupadas num slide só, todas estão a ser avaliadas da mesma forma.</a:t>
             </a:r>
           </a:p>
         </p:txBody>
